--- a/Email_Sender_Application_Presentation.pptx
+++ b/Email_Sender_Application_Presentation.pptx
@@ -7,13 +7,14 @@
   <p:sldIdLst>
     <p:sldId id="256" r:id="rId2"/>
     <p:sldId id="257" r:id="rId3"/>
-    <p:sldId id="258" r:id="rId4"/>
-    <p:sldId id="259" r:id="rId5"/>
-    <p:sldId id="260" r:id="rId6"/>
-    <p:sldId id="261" r:id="rId7"/>
-    <p:sldId id="262" r:id="rId8"/>
-    <p:sldId id="264" r:id="rId9"/>
-    <p:sldId id="265" r:id="rId10"/>
+    <p:sldId id="266" r:id="rId4"/>
+    <p:sldId id="258" r:id="rId5"/>
+    <p:sldId id="259" r:id="rId6"/>
+    <p:sldId id="260" r:id="rId7"/>
+    <p:sldId id="261" r:id="rId8"/>
+    <p:sldId id="262" r:id="rId9"/>
+    <p:sldId id="264" r:id="rId10"/>
+    <p:sldId id="265" r:id="rId11"/>
   </p:sldIdLst>
   <p:sldSz cx="9144000" cy="6858000" type="screen4x3"/>
   <p:notesSz cx="6858000" cy="9144000"/>
@@ -5847,6 +5848,107 @@
 </p:sld>
 </file>
 
+<file path=ppt/slides/slide10.xml><?xml version="1.0" encoding="utf-8"?>
+<p:sld xmlns:a="http://schemas.openxmlformats.org/drawingml/2006/main" xmlns:r="http://schemas.openxmlformats.org/officeDocument/2006/relationships" xmlns:p="http://schemas.openxmlformats.org/presentationml/2006/main">
+  <p:cSld>
+    <p:spTree>
+      <p:nvGrpSpPr>
+        <p:cNvPr id="1" name=""/>
+        <p:cNvGrpSpPr/>
+        <p:nvPr/>
+      </p:nvGrpSpPr>
+      <p:grpSpPr>
+        <a:xfrm>
+          <a:off x="0" y="0"/>
+          <a:ext cx="0" cy="0"/>
+          <a:chOff x="0" y="0"/>
+          <a:chExt cx="0" cy="0"/>
+        </a:xfrm>
+      </p:grpSpPr>
+      <p:sp>
+        <p:nvSpPr>
+          <p:cNvPr id="2" name="Title 1"/>
+          <p:cNvSpPr>
+            <a:spLocks noGrp="1"/>
+          </p:cNvSpPr>
+          <p:nvPr>
+            <p:ph type="title"/>
+          </p:nvPr>
+        </p:nvSpPr>
+        <p:spPr/>
+        <p:txBody>
+          <a:bodyPr/>
+          <a:lstStyle/>
+          <a:p>
+            <a:r>
+              <a:t>Conclusion &amp; Q&amp;A</a:t>
+            </a:r>
+          </a:p>
+        </p:txBody>
+      </p:sp>
+      <p:sp>
+        <p:nvSpPr>
+          <p:cNvPr id="3" name="Content Placeholder 2"/>
+          <p:cNvSpPr>
+            <a:spLocks noGrp="1"/>
+          </p:cNvSpPr>
+          <p:nvPr>
+            <p:ph idx="1"/>
+          </p:nvPr>
+        </p:nvSpPr>
+        <p:spPr/>
+        <p:txBody>
+          <a:bodyPr/>
+          <a:lstStyle/>
+          <a:p>
+            <a:r>
+              <a:rPr dirty="0" smtClean="0"/>
+              <a:t>Successfully </a:t>
+            </a:r>
+            <a:r>
+              <a:rPr dirty="0"/>
+              <a:t>built a secure and functional email sender</a:t>
+            </a:r>
+          </a:p>
+          <a:p>
+            <a:r>
+              <a:rPr dirty="0" smtClean="0"/>
+              <a:t>Demonstrated </a:t>
+            </a:r>
+            <a:r>
+              <a:rPr dirty="0"/>
+              <a:t>real-world networking and GUI skills</a:t>
+            </a:r>
+          </a:p>
+          <a:p>
+            <a:r>
+              <a:rPr dirty="0" smtClean="0"/>
+              <a:t>Open </a:t>
+            </a:r>
+            <a:r>
+              <a:rPr dirty="0"/>
+              <a:t>for questions and further improvements</a:t>
+            </a:r>
+          </a:p>
+          <a:p>
+            <a:endParaRPr dirty="0"/>
+          </a:p>
+          <a:p>
+            <a:pPr marL="0" indent="0">
+              <a:buNone/>
+            </a:pPr>
+            <a:endParaRPr dirty="0"/>
+          </a:p>
+        </p:txBody>
+      </p:sp>
+    </p:spTree>
+  </p:cSld>
+  <p:clrMapOvr>
+    <a:masterClrMapping/>
+  </p:clrMapOvr>
+</p:sld>
+</file>
+
 <file path=ppt/slides/slide2.xml><?xml version="1.0" encoding="utf-8"?>
 <p:sld xmlns:a="http://schemas.openxmlformats.org/drawingml/2006/main" xmlns:r="http://schemas.openxmlformats.org/officeDocument/2006/relationships" xmlns:p="http://schemas.openxmlformats.org/presentationml/2006/main">
   <p:cSld>
@@ -5982,8 +6084,10 @@
           <a:lstStyle/>
           <a:p>
             <a:r>
-              <a:t>Objective</a:t>
-            </a:r>
+              <a:rPr lang="en-US" dirty="0" smtClean="0"/>
+              <a:t>PROJECT DOCUMENTS</a:t>
+            </a:r>
+            <a:endParaRPr lang="en-US" dirty="0"/>
           </a:p>
         </p:txBody>
       </p:sp>
@@ -6003,47 +6107,67 @@
           <a:lstStyle/>
           <a:p>
             <a:r>
-              <a:rPr dirty="0" smtClean="0"/>
-              <a:t>Create </a:t>
-            </a:r>
-            <a:r>
-              <a:rPr dirty="0"/>
-              <a:t>a functional email client using Python.</a:t>
-            </a:r>
-          </a:p>
-          <a:p>
-            <a:r>
-              <a:rPr dirty="0" smtClean="0"/>
-              <a:t>Demonstrate </a:t>
-            </a:r>
-            <a:r>
-              <a:rPr dirty="0"/>
-              <a:t>understanding of networking protocols.</a:t>
-            </a:r>
-          </a:p>
-          <a:p>
-            <a:r>
-              <a:rPr dirty="0" smtClean="0"/>
-              <a:t>Learn </a:t>
-            </a:r>
-            <a:r>
-              <a:rPr dirty="0"/>
-              <a:t>GUI development with Kivy.</a:t>
-            </a:r>
-          </a:p>
-          <a:p>
-            <a:r>
-              <a:rPr dirty="0" smtClean="0"/>
-              <a:t>Focus </a:t>
-            </a:r>
-            <a:r>
-              <a:rPr dirty="0"/>
-              <a:t>on secure, user-friendly design.</a:t>
+              <a:rPr lang="en-US" dirty="0"/>
+              <a:t>m</a:t>
+            </a:r>
+            <a:r>
+              <a:rPr lang="en-US" dirty="0" smtClean="0"/>
+              <a:t>ain_kivy.py</a:t>
+            </a:r>
+          </a:p>
+          <a:p>
+            <a:r>
+              <a:rPr lang="en-US" dirty="0" smtClean="0"/>
+              <a:t>Email_sender.py</a:t>
+            </a:r>
+          </a:p>
+          <a:p>
+            <a:r>
+              <a:rPr lang="en-US" dirty="0"/>
+              <a:t>c</a:t>
+            </a:r>
+            <a:r>
+              <a:rPr lang="en-US" dirty="0" smtClean="0"/>
+              <a:t>redentials.py</a:t>
+            </a:r>
+          </a:p>
+          <a:p>
+            <a:r>
+              <a:rPr lang="en-US" dirty="0" smtClean="0"/>
+              <a:t>README.md</a:t>
+            </a:r>
+          </a:p>
+          <a:p>
+            <a:r>
+              <a:rPr lang="en-US" dirty="0" smtClean="0"/>
+              <a:t>Documentation.md</a:t>
+            </a:r>
+          </a:p>
+          <a:p>
+            <a:r>
+              <a:rPr lang="en-US" dirty="0" smtClean="0"/>
+              <a:t>.</a:t>
+            </a:r>
+            <a:r>
+              <a:rPr lang="en-US" dirty="0" err="1" smtClean="0"/>
+              <a:t>gitignore</a:t>
+            </a:r>
+            <a:endParaRPr lang="en-US" dirty="0" smtClean="0"/>
+          </a:p>
+          <a:p>
+            <a:r>
+              <a:rPr lang="en-US" dirty="0" smtClean="0"/>
+              <a:t>SETUP_INSTRUCTIONS.md</a:t>
             </a:r>
           </a:p>
         </p:txBody>
       </p:sp>
     </p:spTree>
+    <p:extLst>
+      <p:ext uri="{BB962C8B-B14F-4D97-AF65-F5344CB8AC3E}">
+        <p14:creationId xmlns:p14="http://schemas.microsoft.com/office/powerpoint/2010/main" val="1603221021"/>
+      </p:ext>
+    </p:extLst>
   </p:cSld>
   <p:clrMapOvr>
     <a:masterClrMapping/>
@@ -6084,7 +6208,7 @@
           <a:lstStyle/>
           <a:p>
             <a:r>
-              <a:t>Technologies Used</a:t>
+              <a:t>Objective</a:t>
             </a:r>
           </a:p>
         </p:txBody>
@@ -6106,63 +6230,41 @@
           <a:p>
             <a:r>
               <a:rPr dirty="0" smtClean="0"/>
-              <a:t>Python 3.</a:t>
-            </a:r>
-            <a:r>
-              <a:rPr lang="en-US" dirty="0" smtClean="0"/>
-              <a:t>13</a:t>
-            </a:r>
+              <a:t>Create </a:t>
+            </a:r>
+            <a:r>
+              <a:rPr dirty="0"/>
+              <a:t>a functional email client using Python.</a:t>
+            </a:r>
+          </a:p>
+          <a:p>
             <a:r>
               <a:rPr dirty="0" smtClean="0"/>
-              <a:t>: </a:t>
+              <a:t>Demonstrate </a:t>
             </a:r>
             <a:r>
               <a:rPr dirty="0"/>
-              <a:t>Core development</a:t>
+              <a:t>understanding of networking protocols.</a:t>
             </a:r>
           </a:p>
           <a:p>
             <a:r>
               <a:rPr dirty="0" smtClean="0"/>
-              <a:t>Kivy</a:t>
+              <a:t>Learn </a:t>
             </a:r>
             <a:r>
               <a:rPr dirty="0"/>
-              <a:t>: GUI framework</a:t>
-            </a:r>
-          </a:p>
-          <a:p>
-            <a:r>
-              <a:rPr dirty="0" err="1" smtClean="0"/>
-              <a:t>smtplib</a:t>
+              <a:t>GUI development with Kivy.</a:t>
+            </a:r>
+          </a:p>
+          <a:p>
+            <a:r>
+              <a:rPr dirty="0" smtClean="0"/>
+              <a:t>Focus </a:t>
             </a:r>
             <a:r>
               <a:rPr dirty="0"/>
-              <a:t>: Send emails via SMTP</a:t>
-            </a:r>
-          </a:p>
-          <a:p>
-            <a:r>
-              <a:rPr dirty="0" err="1" smtClean="0"/>
-              <a:t>email.message</a:t>
-            </a:r>
-            <a:r>
-              <a:rPr dirty="0"/>
-              <a:t>: Format email content</a:t>
-            </a:r>
-          </a:p>
-          <a:p>
-            <a:r>
-              <a:rPr dirty="0" err="1" smtClean="0"/>
-              <a:t>Git</a:t>
-            </a:r>
-            <a:r>
-              <a:rPr dirty="0" smtClean="0"/>
-              <a:t> </a:t>
-            </a:r>
-            <a:r>
-              <a:rPr dirty="0"/>
-              <a:t>&amp; GitHub: Version control</a:t>
+              <a:t>on secure, user-friendly design.</a:t>
             </a:r>
           </a:p>
         </p:txBody>
@@ -6208,7 +6310,7 @@
           <a:lstStyle/>
           <a:p>
             <a:r>
-              <a:t>Why Kivy?</a:t>
+              <a:t>Technologies Used</a:t>
             </a:r>
           </a:p>
         </p:txBody>
@@ -6230,51 +6332,63 @@
           <a:p>
             <a:r>
               <a:rPr dirty="0" smtClean="0"/>
-              <a:t>Modern </a:t>
+              <a:t>Python 3.</a:t>
+            </a:r>
+            <a:r>
+              <a:rPr lang="en-US" dirty="0" smtClean="0"/>
+              <a:t>13</a:t>
+            </a:r>
+            <a:r>
+              <a:rPr dirty="0" smtClean="0"/>
+              <a:t>: </a:t>
             </a:r>
             <a:r>
               <a:rPr dirty="0"/>
-              <a:t>and mobile-friendly UI</a:t>
+              <a:t>Core development</a:t>
             </a:r>
           </a:p>
           <a:p>
             <a:r>
               <a:rPr dirty="0" smtClean="0"/>
-              <a:t>Cross-platform </a:t>
+              <a:t>Kivy</a:t>
             </a:r>
             <a:r>
               <a:rPr dirty="0"/>
-              <a:t>support</a:t>
-            </a:r>
-          </a:p>
-          <a:p>
+              <a:t>: GUI framework</a:t>
+            </a:r>
+          </a:p>
+          <a:p>
+            <a:r>
+              <a:rPr dirty="0" err="1" smtClean="0"/>
+              <a:t>smtplib</a:t>
+            </a:r>
+            <a:r>
+              <a:rPr dirty="0"/>
+              <a:t>: Send emails via SMTP</a:t>
+            </a:r>
+          </a:p>
+          <a:p>
+            <a:r>
+              <a:rPr dirty="0" err="1" smtClean="0"/>
+              <a:t>email.message</a:t>
+            </a:r>
+            <a:r>
+              <a:rPr dirty="0"/>
+              <a:t>: Format email content</a:t>
+            </a:r>
+          </a:p>
+          <a:p>
+            <a:r>
+              <a:rPr dirty="0" err="1" smtClean="0"/>
+              <a:t>Git</a:t>
+            </a:r>
             <a:r>
               <a:rPr dirty="0" smtClean="0"/>
-              <a:t>Flexible </a:t>
+              <a:t> </a:t>
             </a:r>
             <a:r>
               <a:rPr dirty="0"/>
-              <a:t>layouts and widgets</a:t>
-            </a:r>
-          </a:p>
-          <a:p>
-            <a:r>
-              <a:rPr dirty="0" smtClean="0"/>
-              <a:t>Lightweight </a:t>
-            </a:r>
-            <a:r>
-              <a:rPr dirty="0"/>
-              <a:t>and easy to customize</a:t>
-            </a:r>
-          </a:p>
-          <a:p>
-            <a:r>
-              <a:rPr dirty="0" smtClean="0"/>
-              <a:t>Encouraged </a:t>
-            </a:r>
-            <a:r>
-              <a:rPr dirty="0"/>
-              <a:t>deeper GUI learning</a:t>
+              <a:t>&amp; GitHub: Version control</a:t>
             </a:r>
           </a:p>
         </p:txBody>
@@ -6320,7 +6434,7 @@
           <a:lstStyle/>
           <a:p>
             <a:r>
-              <a:t>Networking Concepts</a:t>
+              <a:t>Why Kivy?</a:t>
             </a:r>
           </a:p>
         </p:txBody>
@@ -6342,59 +6456,51 @@
           <a:p>
             <a:r>
               <a:rPr dirty="0" smtClean="0"/>
-              <a:t>Based </a:t>
+              <a:t>Modern </a:t>
             </a:r>
             <a:r>
               <a:rPr dirty="0"/>
-              <a:t>on SMTP (Simple Mail Transfer Protocol)</a:t>
+              <a:t>and mobile-friendly UI</a:t>
             </a:r>
           </a:p>
           <a:p>
             <a:r>
               <a:rPr dirty="0" smtClean="0"/>
-              <a:t>Client-server </a:t>
+              <a:t>Cross-platform </a:t>
             </a:r>
             <a:r>
               <a:rPr dirty="0"/>
-              <a:t>communication model</a:t>
+              <a:t>support</a:t>
             </a:r>
           </a:p>
           <a:p>
             <a:r>
               <a:rPr dirty="0" smtClean="0"/>
-              <a:t>Gmail </a:t>
+              <a:t>Flexible </a:t>
             </a:r>
             <a:r>
               <a:rPr dirty="0"/>
-              <a:t>SMTP server: smtp.gmail.com, Port 587</a:t>
+              <a:t>layouts and widgets</a:t>
             </a:r>
           </a:p>
           <a:p>
             <a:r>
               <a:rPr dirty="0" smtClean="0"/>
-              <a:t>Secure </a:t>
+              <a:t>Lightweight </a:t>
             </a:r>
             <a:r>
               <a:rPr dirty="0"/>
-              <a:t>authentication with App Passwords</a:t>
+              <a:t>and easy to customize</a:t>
             </a:r>
           </a:p>
           <a:p>
             <a:r>
               <a:rPr dirty="0" smtClean="0"/>
-              <a:t>Uses </a:t>
+              <a:t>Encouraged </a:t>
             </a:r>
             <a:r>
               <a:rPr dirty="0"/>
-              <a:t>TLS encryption (via </a:t>
-            </a:r>
-            <a:r>
-              <a:rPr dirty="0" err="1"/>
-              <a:t>starttls</a:t>
-            </a:r>
-            <a:r>
-              <a:rPr dirty="0"/>
-              <a:t>)</a:t>
+              <a:t>deeper GUI learning</a:t>
             </a:r>
           </a:p>
         </p:txBody>
@@ -6440,7 +6546,7 @@
           <a:lstStyle/>
           <a:p>
             <a:r>
-              <a:t>Application Features</a:t>
+              <a:t>Networking Concepts</a:t>
             </a:r>
           </a:p>
         </p:txBody>
@@ -6462,41 +6568,59 @@
           <a:p>
             <a:r>
               <a:rPr dirty="0" smtClean="0"/>
-              <a:t>GUI </a:t>
+              <a:t>Based </a:t>
             </a:r>
             <a:r>
               <a:rPr dirty="0"/>
-              <a:t>with recipient, subject, and message fields</a:t>
+              <a:t>on SMTP (Simple Mail Transfer Protocol)</a:t>
             </a:r>
           </a:p>
           <a:p>
             <a:r>
               <a:rPr dirty="0" smtClean="0"/>
-              <a:t>Email </a:t>
+              <a:t>Client-server </a:t>
             </a:r>
             <a:r>
               <a:rPr dirty="0"/>
-              <a:t>format validation with popup alerts</a:t>
+              <a:t>communication model</a:t>
             </a:r>
           </a:p>
           <a:p>
             <a:r>
               <a:rPr dirty="0" smtClean="0"/>
-              <a:t>Error </a:t>
+              <a:t>Gmail </a:t>
             </a:r>
             <a:r>
               <a:rPr dirty="0"/>
-              <a:t>handling for empty fields and invalid input</a:t>
+              <a:t>SMTP server: smtp.gmail.com, Port 587</a:t>
             </a:r>
           </a:p>
           <a:p>
             <a:r>
               <a:rPr dirty="0" smtClean="0"/>
-              <a:t>Real-time </a:t>
+              <a:t>Secure </a:t>
             </a:r>
             <a:r>
               <a:rPr dirty="0"/>
-              <a:t>success/failure feedback</a:t>
+              <a:t>authentication with App Passwords</a:t>
+            </a:r>
+          </a:p>
+          <a:p>
+            <a:r>
+              <a:rPr dirty="0" smtClean="0"/>
+              <a:t>Uses </a:t>
+            </a:r>
+            <a:r>
+              <a:rPr dirty="0"/>
+              <a:t>TLS encryption (via </a:t>
+            </a:r>
+            <a:r>
+              <a:rPr dirty="0" err="1"/>
+              <a:t>starttls</a:t>
+            </a:r>
+            <a:r>
+              <a:rPr dirty="0"/>
+              <a:t>)</a:t>
             </a:r>
           </a:p>
         </p:txBody>
@@ -6542,7 +6666,7 @@
           <a:lstStyle/>
           <a:p>
             <a:r>
-              <a:t>Challenges Faced</a:t>
+              <a:t>Application Features</a:t>
             </a:r>
           </a:p>
         </p:txBody>
@@ -6564,55 +6688,42 @@
           <a:p>
             <a:r>
               <a:rPr dirty="0" smtClean="0"/>
-              <a:t>Handling </a:t>
+              <a:t>GUI </a:t>
             </a:r>
             <a:r>
               <a:rPr dirty="0"/>
-              <a:t>Gmail authentication restrictions</a:t>
+              <a:t>with recipient, subject, and message fields</a:t>
             </a:r>
           </a:p>
           <a:p>
             <a:r>
               <a:rPr dirty="0" smtClean="0"/>
-              <a:t>Designing </a:t>
+              <a:t>Email </a:t>
             </a:r>
             <a:r>
               <a:rPr dirty="0"/>
-              <a:t>user-friendly popup feedback</a:t>
+              <a:t>format validation with popup alerts</a:t>
             </a:r>
           </a:p>
           <a:p>
             <a:r>
               <a:rPr dirty="0" smtClean="0"/>
-              <a:t>Validating </a:t>
+              <a:t>Error </a:t>
             </a:r>
             <a:r>
               <a:rPr dirty="0"/>
-              <a:t>email input formats</a:t>
+              <a:t>handling for empty fields and invalid input</a:t>
             </a:r>
           </a:p>
           <a:p>
             <a:r>
               <a:rPr dirty="0" smtClean="0"/>
-              <a:t>Maintaining </a:t>
+              <a:t>Real-time </a:t>
             </a:r>
             <a:r>
               <a:rPr dirty="0"/>
-              <a:t>clean layout using </a:t>
-            </a:r>
-            <a:r>
-              <a:rPr dirty="0" err="1"/>
-              <a:t>Kivy's</a:t>
-            </a:r>
-            <a:r>
-              <a:rPr dirty="0"/>
-              <a:t> </a:t>
-            </a:r>
-            <a:r>
-              <a:rPr dirty="0" err="1"/>
-              <a:t>BoxLayout</a:t>
-            </a:r>
-            <a:endParaRPr dirty="0"/>
+              <a:t>success/failure feedback</a:t>
+            </a:r>
           </a:p>
         </p:txBody>
       </p:sp>
@@ -6657,7 +6768,7 @@
           <a:lstStyle/>
           <a:p>
             <a:r>
-              <a:t>Conclusion &amp; Q&amp;A</a:t>
+              <a:t>Challenges Faced</a:t>
             </a:r>
           </a:p>
         </p:txBody>
@@ -6679,40 +6790,54 @@
           <a:p>
             <a:r>
               <a:rPr dirty="0" smtClean="0"/>
-              <a:t>Successfully </a:t>
+              <a:t>Handling </a:t>
             </a:r>
             <a:r>
               <a:rPr dirty="0"/>
-              <a:t>built a secure and functional email sender</a:t>
+              <a:t>Gmail authentication restrictions</a:t>
             </a:r>
           </a:p>
           <a:p>
             <a:r>
               <a:rPr dirty="0" smtClean="0"/>
-              <a:t>Demonstrated </a:t>
+              <a:t>Designing </a:t>
             </a:r>
             <a:r>
               <a:rPr dirty="0"/>
-              <a:t>real-world networking and GUI skills</a:t>
+              <a:t>user-friendly popup feedback</a:t>
             </a:r>
           </a:p>
           <a:p>
             <a:r>
               <a:rPr dirty="0" smtClean="0"/>
-              <a:t>Open </a:t>
+              <a:t>Validating </a:t>
             </a:r>
             <a:r>
               <a:rPr dirty="0"/>
-              <a:t>for questions and further improvements</a:t>
-            </a:r>
-          </a:p>
-          <a:p>
-            <a:endParaRPr dirty="0"/>
-          </a:p>
-          <a:p>
-            <a:pPr marL="0" indent="0">
-              <a:buNone/>
-            </a:pPr>
+              <a:t>email input formats</a:t>
+            </a:r>
+          </a:p>
+          <a:p>
+            <a:r>
+              <a:rPr dirty="0" smtClean="0"/>
+              <a:t>Maintaining </a:t>
+            </a:r>
+            <a:r>
+              <a:rPr dirty="0"/>
+              <a:t>clean layout using </a:t>
+            </a:r>
+            <a:r>
+              <a:rPr dirty="0" err="1"/>
+              <a:t>Kivy's</a:t>
+            </a:r>
+            <a:r>
+              <a:rPr dirty="0"/>
+              <a:t> </a:t>
+            </a:r>
+            <a:r>
+              <a:rPr dirty="0" err="1"/>
+              <a:t>BoxLayout</a:t>
+            </a:r>
             <a:endParaRPr dirty="0"/>
           </a:p>
         </p:txBody>

--- a/Email_Sender_Application_Presentation.pptx
+++ b/Email_Sender_Application_Presentation.pptx
@@ -302,7 +302,7 @@
           <a:p>
             <a:fld id="{5BCAD085-E8A6-8845-BD4E-CB4CCA059FC4}" type="datetimeFigureOut">
               <a:rPr lang="en-US" smtClean="0"/>
-              <a:t>6/6/2025</a:t>
+              <a:t>6/12/2025</a:t>
             </a:fld>
             <a:endParaRPr lang="en-US"/>
           </a:p>
@@ -569,7 +569,7 @@
           <a:p>
             <a:fld id="{5BCAD085-E8A6-8845-BD4E-CB4CCA059FC4}" type="datetimeFigureOut">
               <a:rPr lang="en-US" smtClean="0"/>
-              <a:t>6/6/2025</a:t>
+              <a:t>6/12/2025</a:t>
             </a:fld>
             <a:endParaRPr lang="en-US"/>
           </a:p>
@@ -800,7 +800,7 @@
           <a:p>
             <a:fld id="{5BCAD085-E8A6-8845-BD4E-CB4CCA059FC4}" type="datetimeFigureOut">
               <a:rPr lang="en-US" smtClean="0"/>
-              <a:t>6/6/2025</a:t>
+              <a:t>6/12/2025</a:t>
             </a:fld>
             <a:endParaRPr lang="en-US"/>
           </a:p>
@@ -1110,7 +1110,7 @@
           <a:p>
             <a:fld id="{5BCAD085-E8A6-8845-BD4E-CB4CCA059FC4}" type="datetimeFigureOut">
               <a:rPr lang="en-US" smtClean="0"/>
-              <a:t>6/6/2025</a:t>
+              <a:t>6/12/2025</a:t>
             </a:fld>
             <a:endParaRPr lang="en-US"/>
           </a:p>
@@ -1583,7 +1583,7 @@
           <a:p>
             <a:fld id="{5BCAD085-E8A6-8845-BD4E-CB4CCA059FC4}" type="datetimeFigureOut">
               <a:rPr lang="en-US" smtClean="0"/>
-              <a:t>6/6/2025</a:t>
+              <a:t>6/12/2025</a:t>
             </a:fld>
             <a:endParaRPr lang="en-US"/>
           </a:p>
@@ -2130,7 +2130,7 @@
           <a:p>
             <a:fld id="{5BCAD085-E8A6-8845-BD4E-CB4CCA059FC4}" type="datetimeFigureOut">
               <a:rPr lang="en-US" smtClean="0"/>
-              <a:t>6/6/2025</a:t>
+              <a:t>6/12/2025</a:t>
             </a:fld>
             <a:endParaRPr lang="en-US"/>
           </a:p>
@@ -2904,7 +2904,7 @@
           <a:p>
             <a:fld id="{5BCAD085-E8A6-8845-BD4E-CB4CCA059FC4}" type="datetimeFigureOut">
               <a:rPr lang="en-US" smtClean="0"/>
-              <a:t>6/6/2025</a:t>
+              <a:t>6/12/2025</a:t>
             </a:fld>
             <a:endParaRPr lang="en-US"/>
           </a:p>
@@ -3079,7 +3079,7 @@
           <a:p>
             <a:fld id="{5BCAD085-E8A6-8845-BD4E-CB4CCA059FC4}" type="datetimeFigureOut">
               <a:rPr lang="en-US" smtClean="0"/>
-              <a:t>6/6/2025</a:t>
+              <a:t>6/12/2025</a:t>
             </a:fld>
             <a:endParaRPr lang="en-US"/>
           </a:p>
@@ -3302,7 +3302,7 @@
           <a:p>
             <a:fld id="{5BCAD085-E8A6-8845-BD4E-CB4CCA059FC4}" type="datetimeFigureOut">
               <a:rPr lang="en-US" smtClean="0"/>
-              <a:t>6/6/2025</a:t>
+              <a:t>6/12/2025</a:t>
             </a:fld>
             <a:endParaRPr lang="en-US"/>
           </a:p>
@@ -3482,7 +3482,7 @@
           <a:p>
             <a:fld id="{5BCAD085-E8A6-8845-BD4E-CB4CCA059FC4}" type="datetimeFigureOut">
               <a:rPr lang="en-US" smtClean="0"/>
-              <a:t>6/6/2025</a:t>
+              <a:t>6/12/2025</a:t>
             </a:fld>
             <a:endParaRPr lang="en-US"/>
           </a:p>
@@ -3771,7 +3771,7 @@
           <a:p>
             <a:fld id="{5BCAD085-E8A6-8845-BD4E-CB4CCA059FC4}" type="datetimeFigureOut">
               <a:rPr lang="en-US" smtClean="0"/>
-              <a:t>6/6/2025</a:t>
+              <a:t>6/12/2025</a:t>
             </a:fld>
             <a:endParaRPr lang="en-US"/>
           </a:p>
@@ -4013,7 +4013,7 @@
           <a:p>
             <a:fld id="{5BCAD085-E8A6-8845-BD4E-CB4CCA059FC4}" type="datetimeFigureOut">
               <a:rPr lang="en-US" smtClean="0"/>
-              <a:t>6/6/2025</a:t>
+              <a:t>6/12/2025</a:t>
             </a:fld>
             <a:endParaRPr lang="en-US"/>
           </a:p>
@@ -4392,7 +4392,7 @@
           <a:p>
             <a:fld id="{5BCAD085-E8A6-8845-BD4E-CB4CCA059FC4}" type="datetimeFigureOut">
               <a:rPr lang="en-US" smtClean="0"/>
-              <a:t>6/6/2025</a:t>
+              <a:t>6/12/2025</a:t>
             </a:fld>
             <a:endParaRPr lang="en-US"/>
           </a:p>
@@ -4510,7 +4510,7 @@
           <a:p>
             <a:fld id="{5BCAD085-E8A6-8845-BD4E-CB4CCA059FC4}" type="datetimeFigureOut">
               <a:rPr lang="en-US" smtClean="0"/>
-              <a:t>6/6/2025</a:t>
+              <a:t>6/12/2025</a:t>
             </a:fld>
             <a:endParaRPr lang="en-US"/>
           </a:p>
@@ -4605,7 +4605,7 @@
           <a:p>
             <a:fld id="{5BCAD085-E8A6-8845-BD4E-CB4CCA059FC4}" type="datetimeFigureOut">
               <a:rPr lang="en-US" smtClean="0"/>
-              <a:t>6/6/2025</a:t>
+              <a:t>6/12/2025</a:t>
             </a:fld>
             <a:endParaRPr lang="en-US"/>
           </a:p>
@@ -4854,7 +4854,7 @@
           <a:p>
             <a:fld id="{5BCAD085-E8A6-8845-BD4E-CB4CCA059FC4}" type="datetimeFigureOut">
               <a:rPr lang="en-US" smtClean="0"/>
-              <a:t>6/6/2025</a:t>
+              <a:t>6/12/2025</a:t>
             </a:fld>
             <a:endParaRPr lang="en-US"/>
           </a:p>
@@ -5111,7 +5111,7 @@
           <a:p>
             <a:fld id="{5BCAD085-E8A6-8845-BD4E-CB4CCA059FC4}" type="datetimeFigureOut">
               <a:rPr lang="en-US" smtClean="0"/>
-              <a:t>6/6/2025</a:t>
+              <a:t>6/12/2025</a:t>
             </a:fld>
             <a:endParaRPr lang="en-US"/>
           </a:p>
@@ -5354,7 +5354,7 @@
           <a:p>
             <a:fld id="{5BCAD085-E8A6-8845-BD4E-CB4CCA059FC4}" type="datetimeFigureOut">
               <a:rPr lang="en-US" smtClean="0"/>
-              <a:t>6/6/2025</a:t>
+              <a:t>6/12/2025</a:t>
             </a:fld>
             <a:endParaRPr lang="en-US"/>
           </a:p>
@@ -6028,8 +6028,20 @@
             </a:r>
             <a:r>
               <a:rPr dirty="0"/>
-              <a:t>messages securely through Gmail using SMTP.</a:t>
-            </a:r>
+              <a:t>messages securely through Gmail using SMTP</a:t>
+            </a:r>
+            <a:r>
+              <a:rPr dirty="0" smtClean="0"/>
+              <a:t>.</a:t>
+            </a:r>
+            <a:endParaRPr lang="en-US" dirty="0" smtClean="0"/>
+          </a:p>
+          <a:p>
+            <a:r>
+              <a:rPr lang="en-US" dirty="0" smtClean="0"/>
+              <a:t>Enables recent email viewing using the IMAP library.</a:t>
+            </a:r>
+            <a:endParaRPr dirty="0"/>
           </a:p>
           <a:p>
             <a:r>
@@ -6120,6 +6132,13 @@
               <a:rPr lang="en-US" dirty="0" smtClean="0"/>
               <a:t>Email_sender.py</a:t>
             </a:r>
+          </a:p>
+          <a:p>
+            <a:r>
+              <a:rPr lang="en-US" dirty="0" smtClean="0"/>
+              <a:t>Email_reader.py</a:t>
+            </a:r>
+            <a:endParaRPr lang="en-US" dirty="0" smtClean="0"/>
           </a:p>
           <a:p>
             <a:r>
@@ -6244,8 +6263,20 @@
             </a:r>
             <a:r>
               <a:rPr dirty="0"/>
-              <a:t>understanding of networking protocols.</a:t>
-            </a:r>
+              <a:t>understanding of networking protocols</a:t>
+            </a:r>
+            <a:r>
+              <a:rPr dirty="0" smtClean="0"/>
+              <a:t>.</a:t>
+            </a:r>
+            <a:endParaRPr lang="en-US" dirty="0" smtClean="0"/>
+          </a:p>
+          <a:p>
+            <a:r>
+              <a:rPr lang="en-US" dirty="0" smtClean="0"/>
+              <a:t>Learn to use IMAP to be able to view email messages in app.</a:t>
+            </a:r>
+            <a:endParaRPr dirty="0"/>
           </a:p>
           <a:p>
             <a:r>
@@ -6364,8 +6395,28 @@
             </a:r>
             <a:r>
               <a:rPr dirty="0"/>
-              <a:t>: Send emails via SMTP</a:t>
-            </a:r>
+              <a:t>: Send emails via </a:t>
+            </a:r>
+            <a:r>
+              <a:rPr dirty="0" smtClean="0"/>
+              <a:t>SMTP</a:t>
+            </a:r>
+            <a:endParaRPr lang="en-US" dirty="0" smtClean="0"/>
+          </a:p>
+          <a:p>
+            <a:r>
+              <a:rPr lang="en-US" dirty="0" err="1"/>
+              <a:t>i</a:t>
+            </a:r>
+            <a:r>
+              <a:rPr lang="en-US" dirty="0" err="1" smtClean="0"/>
+              <a:t>maplib</a:t>
+            </a:r>
+            <a:r>
+              <a:rPr lang="en-US" dirty="0" smtClean="0"/>
+              <a:t>: View emails via IMAP in application</a:t>
+            </a:r>
+            <a:endParaRPr dirty="0"/>
           </a:p>
           <a:p>
             <a:r>
@@ -6480,8 +6531,28 @@
             </a:r>
             <a:r>
               <a:rPr dirty="0"/>
-              <a:t>layouts and widgets</a:t>
-            </a:r>
+              <a:t>layouts and </a:t>
+            </a:r>
+            <a:r>
+              <a:rPr dirty="0" smtClean="0"/>
+              <a:t>widgets</a:t>
+            </a:r>
+            <a:endParaRPr lang="en-US" dirty="0" smtClean="0"/>
+          </a:p>
+          <a:p>
+            <a:r>
+              <a:rPr lang="en-US" dirty="0" smtClean="0"/>
+              <a:t>Separated design and logic (.</a:t>
+            </a:r>
+            <a:r>
+              <a:rPr lang="en-US" dirty="0" err="1" smtClean="0"/>
+              <a:t>kv</a:t>
+            </a:r>
+            <a:r>
+              <a:rPr lang="en-US" dirty="0" smtClean="0"/>
+              <a:t>)</a:t>
+            </a:r>
+            <a:endParaRPr dirty="0"/>
           </a:p>
           <a:p>
             <a:r>
@@ -6592,8 +6663,20 @@
             </a:r>
             <a:r>
               <a:rPr dirty="0"/>
-              <a:t>SMTP server: smtp.gmail.com, Port 587</a:t>
-            </a:r>
+              <a:t>SMTP server: smtp.gmail.com, Port </a:t>
+            </a:r>
+            <a:r>
+              <a:rPr dirty="0" smtClean="0"/>
+              <a:t>587</a:t>
+            </a:r>
+            <a:endParaRPr lang="en-US" dirty="0" smtClean="0"/>
+          </a:p>
+          <a:p>
+            <a:r>
+              <a:rPr lang="en-US" dirty="0" smtClean="0"/>
+              <a:t>Gmail IMAP server: imap.gmail.com (imaplib.IMAP4_SSL</a:t>
+            </a:r>
+            <a:endParaRPr dirty="0"/>
           </a:p>
           <a:p>
             <a:r>
@@ -6619,9 +6702,17 @@
               <a:t>starttls</a:t>
             </a:r>
             <a:r>
-              <a:rPr dirty="0"/>
+              <a:rPr dirty="0" smtClean="0"/>
               <a:t>)</a:t>
             </a:r>
+            <a:endParaRPr lang="en-US" dirty="0" smtClean="0"/>
+          </a:p>
+          <a:p>
+            <a:r>
+              <a:rPr lang="en-US" dirty="0" smtClean="0"/>
+              <a:t>Uses SSL encryption</a:t>
+            </a:r>
+            <a:endParaRPr dirty="0"/>
           </a:p>
         </p:txBody>
       </p:sp>
@@ -6702,8 +6793,20 @@
             </a:r>
             <a:r>
               <a:rPr dirty="0"/>
-              <a:t>format validation with popup alerts</a:t>
-            </a:r>
+              <a:t>format validation with popup </a:t>
+            </a:r>
+            <a:r>
+              <a:rPr dirty="0" smtClean="0"/>
+              <a:t>alerts</a:t>
+            </a:r>
+            <a:endParaRPr lang="en-US" dirty="0" smtClean="0"/>
+          </a:p>
+          <a:p>
+            <a:r>
+              <a:rPr lang="en-US" dirty="0" smtClean="0"/>
+              <a:t>Inbox preview with popup </a:t>
+            </a:r>
+            <a:endParaRPr dirty="0"/>
           </a:p>
           <a:p>
             <a:r>
@@ -6835,8 +6938,33 @@
               <a:t> </a:t>
             </a:r>
             <a:r>
-              <a:rPr dirty="0" err="1"/>
+              <a:rPr dirty="0" err="1" smtClean="0"/>
               <a:t>BoxLayout</a:t>
+            </a:r>
+            <a:endParaRPr lang="en-US" dirty="0" smtClean="0"/>
+          </a:p>
+          <a:p>
+            <a:r>
+              <a:rPr lang="en-US" dirty="0" smtClean="0"/>
+              <a:t>Connecting the app to IMAP server</a:t>
+            </a:r>
+          </a:p>
+          <a:p>
+            <a:r>
+              <a:rPr lang="en-US" dirty="0" smtClean="0"/>
+              <a:t>Rendering html from the inbox preview</a:t>
+            </a:r>
+          </a:p>
+          <a:p>
+            <a:r>
+              <a:rPr lang="en-US" dirty="0" smtClean="0"/>
+              <a:t>Code crashing </a:t>
+            </a:r>
+          </a:p>
+          <a:p>
+            <a:r>
+              <a:rPr lang="en-US" dirty="0" smtClean="0"/>
+              <a:t>IMAP server not syncing with kivy </a:t>
             </a:r>
             <a:endParaRPr dirty="0"/>
           </a:p>
